--- a/べスプラ2025/べスプラ2025.pptx
+++ b/べスプラ2025/べスプラ2025.pptx
@@ -260,7 +260,7 @@
               <a:rPr kumimoji="1" lang="ja-JP" altLang="en-US" smtClean="0">
                 <a:ea typeface="メイリオ" panose="020B0604030504040204" pitchFamily="50" charset="-128"/>
               </a:rPr>
-              <a:t>2026/1/28</a:t>
+              <a:t>2026/2/5</a:t>
             </a:fld>
             <a:endParaRPr kumimoji="1" lang="ja-JP" altLang="en-US">
               <a:ea typeface="メイリオ" panose="020B0604030504040204" pitchFamily="50" charset="-128"/>
@@ -406,7 +406,7 @@
             <a:fld id="{4B26993D-C081-44EB-B0F5-A9F467792B62}" type="datetimeFigureOut">
               <a:rPr lang="ja-JP" altLang="en-US" smtClean="0"/>
               <a:pPr/>
-              <a:t>2026/1/28</a:t>
+              <a:t>2026/2/5</a:t>
             </a:fld>
             <a:endParaRPr lang="ja-JP" altLang="en-US"/>
           </a:p>
@@ -20352,8 +20352,8 @@
         </p:nvSpPr>
         <p:spPr>
           <a:xfrm>
-            <a:off x="2529840" y="3139440"/>
-            <a:ext cx="9022080" cy="984885"/>
+            <a:off x="5199693" y="3007464"/>
+            <a:ext cx="1551966" cy="707886"/>
           </a:xfrm>
           <a:prstGeom prst="rect">
             <a:avLst/>
@@ -20370,13 +20370,6 @@
               <a:rPr kumimoji="1" lang="ja-JP" altLang="en-US" sz="4000" dirty="0"/>
               <a:t>写経</a:t>
             </a:r>
-            <a:r>
-              <a:rPr lang="ja-JP" altLang="en-US" sz="4000" dirty="0"/>
-              <a:t>　ソースコードの書き写し</a:t>
-            </a:r>
-            <a:endParaRPr kumimoji="1" lang="en-US" altLang="ja-JP" sz="4000" dirty="0"/>
-          </a:p>
-          <a:p>
             <a:endParaRPr kumimoji="1" lang="ja-JP" altLang="en-US" dirty="0"/>
           </a:p>
         </p:txBody>
@@ -25056,26 +25049,6 @@
 </file>
 
 <file path=customXml/item1.xml><?xml version="1.0" encoding="utf-8"?>
-<p:properties xmlns:p="http://schemas.microsoft.com/office/2006/metadata/properties" xmlns:xsi="http://www.w3.org/2001/XMLSchema-instance" xmlns:pc="http://schemas.microsoft.com/office/infopath/2007/PartnerControls">
-  <documentManagement>
-    <TaxCatchAll xmlns="93942ff1-c23b-4ac4-a187-f9736368896f" xsi:nil="true"/>
-    <lcf76f155ced4ddcb4097134ff3c332f xmlns="4398b4c7-9294-4cd4-89b9-cac147447cd0">
-      <Terms xmlns="http://schemas.microsoft.com/office/infopath/2007/PartnerControls"/>
-    </lcf76f155ced4ddcb4097134ff3c332f>
-  </documentManagement>
-</p:properties>
-</file>
-
-<file path=customXml/item2.xml><?xml version="1.0" encoding="utf-8"?>
-<?mso-contentType ?>
-<FormTemplates xmlns="http://schemas.microsoft.com/sharepoint/v3/contenttype/forms">
-  <Display>DocumentLibraryForm</Display>
-  <Edit>DocumentLibraryForm</Edit>
-  <New>DocumentLibraryForm</New>
-</FormTemplates>
-</file>
-
-<file path=customXml/item3.xml><?xml version="1.0" encoding="utf-8"?>
 <ct:contentTypeSchema xmlns:ct="http://schemas.microsoft.com/office/2006/metadata/contentType" xmlns:ma="http://schemas.microsoft.com/office/2006/metadata/properties/metaAttributes" ct:_="" ma:_="" ma:contentTypeName="ドキュメント" ma:contentTypeID="0x010100AFF7ADABD4856E43820B5FB28D5D6445" ma:contentTypeVersion="15" ma:contentTypeDescription="新しいドキュメントを作成します。" ma:contentTypeScope="" ma:versionID="aee7a2d05d07833fe8caf347490b7769">
   <xsd:schema xmlns:xsd="http://www.w3.org/2001/XMLSchema" xmlns:xs="http://www.w3.org/2001/XMLSchema" xmlns:p="http://schemas.microsoft.com/office/2006/metadata/properties" xmlns:ns2="4398b4c7-9294-4cd4-89b9-cac147447cd0" xmlns:ns3="93942ff1-c23b-4ac4-a187-f9736368896f" targetNamespace="http://schemas.microsoft.com/office/2006/metadata/properties" ma:root="true" ma:fieldsID="8a520211c942791bfa9717626179c47a" ns2:_="" ns3:_="">
     <xsd:import namespace="4398b4c7-9294-4cd4-89b9-cac147447cd0"/>
@@ -25310,7 +25283,54 @@
 </ct:contentTypeSchema>
 </file>
 
+<file path=customXml/item2.xml><?xml version="1.0" encoding="utf-8"?>
+<?mso-contentType ?>
+<FormTemplates xmlns="http://schemas.microsoft.com/sharepoint/v3/contenttype/forms">
+  <Display>DocumentLibraryForm</Display>
+  <Edit>DocumentLibraryForm</Edit>
+  <New>DocumentLibraryForm</New>
+</FormTemplates>
+</file>
+
+<file path=customXml/item3.xml><?xml version="1.0" encoding="utf-8"?>
+<p:properties xmlns:p="http://schemas.microsoft.com/office/2006/metadata/properties" xmlns:xsi="http://www.w3.org/2001/XMLSchema-instance" xmlns:pc="http://schemas.microsoft.com/office/infopath/2007/PartnerControls">
+  <documentManagement>
+    <TaxCatchAll xmlns="93942ff1-c23b-4ac4-a187-f9736368896f" xsi:nil="true"/>
+    <lcf76f155ced4ddcb4097134ff3c332f xmlns="4398b4c7-9294-4cd4-89b9-cac147447cd0">
+      <Terms xmlns="http://schemas.microsoft.com/office/infopath/2007/PartnerControls"/>
+    </lcf76f155ced4ddcb4097134ff3c332f>
+  </documentManagement>
+</p:properties>
+</file>
+
 <file path=customXml/itemProps1.xml><?xml version="1.0" encoding="utf-8"?>
+<ds:datastoreItem xmlns:ds="http://schemas.openxmlformats.org/officeDocument/2006/customXml" ds:itemID="{F2878EDF-F8EA-4817-93D9-675C665F7E9C}">
+  <ds:schemaRefs>
+    <ds:schemaRef ds:uri="4398b4c7-9294-4cd4-89b9-cac147447cd0"/>
+    <ds:schemaRef ds:uri="93942ff1-c23b-4ac4-a187-f9736368896f"/>
+    <ds:schemaRef ds:uri="http://purl.org/dc/elements/1.1/"/>
+    <ds:schemaRef ds:uri="http://purl.org/dc/terms/"/>
+    <ds:schemaRef ds:uri="http://schemas.microsoft.com/internal/obd"/>
+    <ds:schemaRef ds:uri="http://schemas.microsoft.com/office/2006/documentManagement/types"/>
+    <ds:schemaRef ds:uri="http://schemas.microsoft.com/office/2006/metadata/contentType"/>
+    <ds:schemaRef ds:uri="http://schemas.microsoft.com/office/2006/metadata/properties"/>
+    <ds:schemaRef ds:uri="http://schemas.microsoft.com/office/2006/metadata/properties/metaAttributes"/>
+    <ds:schemaRef ds:uri="http://schemas.microsoft.com/office/infopath/2007/PartnerControls"/>
+    <ds:schemaRef ds:uri="http://schemas.openxmlformats.org/package/2006/metadata/core-properties"/>
+    <ds:schemaRef ds:uri="http://www.w3.org/2001/XMLSchema"/>
+  </ds:schemaRefs>
+</ds:datastoreItem>
+</file>
+
+<file path=customXml/itemProps2.xml><?xml version="1.0" encoding="utf-8"?>
+<ds:datastoreItem xmlns:ds="http://schemas.openxmlformats.org/officeDocument/2006/customXml" ds:itemID="{34F14E2B-5743-43E4-9671-43415E7114F7}">
+  <ds:schemaRefs>
+    <ds:schemaRef ds:uri="http://schemas.microsoft.com/sharepoint/v3/contenttype/forms"/>
+  </ds:schemaRefs>
+</ds:datastoreItem>
+</file>
+
+<file path=customXml/itemProps3.xml><?xml version="1.0" encoding="utf-8"?>
 <ds:datastoreItem xmlns:ds="http://schemas.openxmlformats.org/officeDocument/2006/customXml" ds:itemID="{045169D0-4399-4772-A0E1-DE697C984D3B}">
   <ds:schemaRefs>
     <ds:schemaRef ds:uri="4398b4c7-9294-4cd4-89b9-cac147447cd0"/>
@@ -25327,31 +25347,4 @@
     <ds:schemaRef ds:uri="http://www.w3.org/XML/1998/namespace"/>
   </ds:schemaRefs>
 </ds:datastoreItem>
-</file>
-
-<file path=customXml/itemProps2.xml><?xml version="1.0" encoding="utf-8"?>
-<ds:datastoreItem xmlns:ds="http://schemas.openxmlformats.org/officeDocument/2006/customXml" ds:itemID="{34F14E2B-5743-43E4-9671-43415E7114F7}">
-  <ds:schemaRefs>
-    <ds:schemaRef ds:uri="http://schemas.microsoft.com/sharepoint/v3/contenttype/forms"/>
-  </ds:schemaRefs>
-</ds:datastoreItem>
-</file>
-
-<file path=customXml/itemProps3.xml><?xml version="1.0" encoding="utf-8"?>
-<ds:datastoreItem xmlns:ds="http://schemas.openxmlformats.org/officeDocument/2006/customXml" ds:itemID="{F2878EDF-F8EA-4817-93D9-675C665F7E9C}">
-  <ds:schemaRefs>
-    <ds:schemaRef ds:uri="4398b4c7-9294-4cd4-89b9-cac147447cd0"/>
-    <ds:schemaRef ds:uri="93942ff1-c23b-4ac4-a187-f9736368896f"/>
-    <ds:schemaRef ds:uri="http://purl.org/dc/elements/1.1/"/>
-    <ds:schemaRef ds:uri="http://purl.org/dc/terms/"/>
-    <ds:schemaRef ds:uri="http://schemas.microsoft.com/internal/obd"/>
-    <ds:schemaRef ds:uri="http://schemas.microsoft.com/office/2006/documentManagement/types"/>
-    <ds:schemaRef ds:uri="http://schemas.microsoft.com/office/2006/metadata/contentType"/>
-    <ds:schemaRef ds:uri="http://schemas.microsoft.com/office/2006/metadata/properties"/>
-    <ds:schemaRef ds:uri="http://schemas.microsoft.com/office/2006/metadata/properties/metaAttributes"/>
-    <ds:schemaRef ds:uri="http://schemas.microsoft.com/office/infopath/2007/PartnerControls"/>
-    <ds:schemaRef ds:uri="http://schemas.openxmlformats.org/package/2006/metadata/core-properties"/>
-    <ds:schemaRef ds:uri="http://www.w3.org/2001/XMLSchema"/>
-  </ds:schemaRefs>
-</ds:datastoreItem>
 </file>